--- a/MySQL实战/42grant之后要跟着flush privileges吗？.pptx
+++ b/MySQL实战/42grant之后要跟着flush privileges吗？.pptx
@@ -33314,7 +33314,7 @@
         <p:spPr>
           <a:xfrm>
             <a:off x="3012053" y="5572739"/>
-            <a:ext cx="6388792" cy="584775"/>
+            <a:ext cx="6388792" cy="338554"/>
           </a:xfrm>
           <a:prstGeom prst="rect">
             <a:avLst/>
@@ -33330,8 +33330,8 @@
               <a:rPr lang="zh-CN" altLang="en-US" sz="1600" dirty="0" smtClean="0">
                 <a:solidFill>
                   <a:schemeClr val="accent1">
-                    <a:lumMod val="40000"/>
-                    <a:lumOff val="60000"/>
+                    <a:lumMod val="20000"/>
+                    <a:lumOff val="80000"/>
                   </a:schemeClr>
                 </a:solidFill>
                 <a:latin typeface="微软雅黑" panose="020B0503020204020204" pitchFamily="34" charset="-122"/>
@@ -33343,8 +33343,8 @@
               <a:rPr lang="en-US" altLang="zh-CN" sz="1600" dirty="0" smtClean="0">
                 <a:solidFill>
                   <a:schemeClr val="accent1">
-                    <a:lumMod val="40000"/>
-                    <a:lumOff val="60000"/>
+                    <a:lumMod val="20000"/>
+                    <a:lumOff val="80000"/>
                   </a:schemeClr>
                 </a:solidFill>
                 <a:latin typeface="微软雅黑" panose="020B0503020204020204" pitchFamily="34" charset="-122"/>
@@ -33356,8 +33356,8 @@
               <a:rPr lang="zh-CN" altLang="en-US" sz="1600" dirty="0" smtClean="0">
                 <a:solidFill>
                   <a:schemeClr val="accent1">
-                    <a:lumMod val="40000"/>
-                    <a:lumOff val="60000"/>
+                    <a:lumMod val="20000"/>
+                    <a:lumOff val="80000"/>
                   </a:schemeClr>
                 </a:solidFill>
                 <a:latin typeface="微软雅黑" panose="020B0503020204020204" pitchFamily="34" charset="-122"/>
@@ -33369,8 +33369,8 @@
               <a:rPr lang="en-US" altLang="zh-CN" sz="1600" dirty="0" smtClean="0">
                 <a:solidFill>
                   <a:schemeClr val="accent1">
-                    <a:lumMod val="40000"/>
-                    <a:lumOff val="60000"/>
+                    <a:lumMod val="20000"/>
+                    <a:lumOff val="80000"/>
                   </a:schemeClr>
                 </a:solidFill>
                 <a:latin typeface="微软雅黑" panose="020B0503020204020204" pitchFamily="34" charset="-122"/>
@@ -33382,8 +33382,8 @@
               <a:rPr lang="zh-CN" altLang="en-US" sz="1600" dirty="0" smtClean="0">
                 <a:solidFill>
                   <a:schemeClr val="accent1">
-                    <a:lumMod val="40000"/>
-                    <a:lumOff val="60000"/>
+                    <a:lumMod val="20000"/>
+                    <a:lumOff val="80000"/>
                   </a:schemeClr>
                 </a:solidFill>
                 <a:latin typeface="微软雅黑" panose="020B0503020204020204" pitchFamily="34" charset="-122"/>
@@ -33391,50 +33391,80 @@
               </a:rPr>
               <a:t>命令</a:t>
             </a:r>
+            <a:r>
+              <a:rPr lang="zh-CN" altLang="en-US" sz="1600" dirty="0">
+                <a:solidFill>
+                  <a:schemeClr val="accent1">
+                    <a:lumMod val="20000"/>
+                    <a:lumOff val="80000"/>
+                  </a:schemeClr>
+                </a:solidFill>
+                <a:latin typeface="微软雅黑" panose="020B0503020204020204" pitchFamily="34" charset="-122"/>
+                <a:ea typeface="微软雅黑" panose="020B0503020204020204" pitchFamily="34" charset="-122"/>
+              </a:rPr>
+              <a:t>。</a:t>
+            </a:r>
             <a:endParaRPr lang="en-US" altLang="zh-CN" sz="1600" dirty="0" smtClean="0">
               <a:solidFill>
                 <a:schemeClr val="accent1">
-                  <a:lumMod val="40000"/>
-                  <a:lumOff val="60000"/>
+                  <a:lumMod val="20000"/>
+                  <a:lumOff val="80000"/>
                 </a:schemeClr>
               </a:solidFill>
               <a:latin typeface="微软雅黑" panose="020B0503020204020204" pitchFamily="34" charset="-122"/>
               <a:ea typeface="微软雅黑" panose="020B0503020204020204" pitchFamily="34" charset="-122"/>
             </a:endParaRPr>
           </a:p>
+        </p:txBody>
+      </p:sp>
+      <p:sp>
+        <p:nvSpPr>
+          <p:cNvPr id="3" name="爆炸形 2 2"/>
+          <p:cNvSpPr/>
+          <p:nvPr/>
+        </p:nvSpPr>
+        <p:spPr>
+          <a:xfrm>
+            <a:off x="346372" y="5255813"/>
+            <a:ext cx="2822713" cy="1168841"/>
+          </a:xfrm>
+          <a:prstGeom prst="irregularSeal2">
+            <a:avLst/>
+          </a:prstGeom>
+        </p:spPr>
+        <p:style>
+          <a:lnRef idx="2">
+            <a:schemeClr val="accent1">
+              <a:shade val="50000"/>
+            </a:schemeClr>
+          </a:lnRef>
+          <a:fillRef idx="1">
+            <a:schemeClr val="accent1"/>
+          </a:fillRef>
+          <a:effectRef idx="0">
+            <a:schemeClr val="accent1"/>
+          </a:effectRef>
+          <a:fontRef idx="minor">
+            <a:schemeClr val="lt1"/>
+          </a:fontRef>
+        </p:style>
+        <p:txBody>
+          <a:bodyPr rtlCol="0" anchor="ctr"/>
+          <a:lstStyle/>
           <a:p>
             <a:r>
-              <a:rPr lang="zh-CN" altLang="en-US" sz="1600" dirty="0">
+              <a:rPr lang="zh-CN" altLang="en-US" dirty="0">
                 <a:solidFill>
-                  <a:schemeClr val="accent1">
-                    <a:lumMod val="40000"/>
-                    <a:lumOff val="60000"/>
-                  </a:schemeClr>
+                  <a:srgbClr val="FFFF00"/>
                 </a:solidFill>
                 <a:latin typeface="微软雅黑" panose="020B0503020204020204" pitchFamily="34" charset="-122"/>
                 <a:ea typeface="微软雅黑" panose="020B0503020204020204" pitchFamily="34" charset="-122"/>
               </a:rPr>
-              <a:t>啊</a:t>
+              <a:t>啊，我原来错了这么久。</a:t>
             </a:r>
-            <a:r>
-              <a:rPr lang="zh-CN" altLang="en-US" sz="1600" dirty="0" smtClean="0">
-                <a:solidFill>
-                  <a:schemeClr val="accent1">
-                    <a:lumMod val="40000"/>
-                    <a:lumOff val="60000"/>
-                  </a:schemeClr>
-                </a:solidFill>
-                <a:latin typeface="微软雅黑" panose="020B0503020204020204" pitchFamily="34" charset="-122"/>
-                <a:ea typeface="微软雅黑" panose="020B0503020204020204" pitchFamily="34" charset="-122"/>
-              </a:rPr>
-              <a:t>，我原来错了这么久。</a:t>
-            </a:r>
-            <a:endParaRPr lang="en-US" altLang="zh-CN" sz="1600" dirty="0" smtClean="0">
+            <a:endParaRPr lang="en-US" altLang="zh-CN" dirty="0">
               <a:solidFill>
-                <a:schemeClr val="accent1">
-                  <a:lumMod val="40000"/>
-                  <a:lumOff val="60000"/>
-                </a:schemeClr>
+                <a:srgbClr val="FFFF00"/>
               </a:solidFill>
               <a:latin typeface="微软雅黑" panose="020B0503020204020204" pitchFamily="34" charset="-122"/>
               <a:ea typeface="微软雅黑" panose="020B0503020204020204" pitchFamily="34" charset="-122"/>
